--- a/2022/ESS_May_June_2022/Day4_Tuesday_July_5th/09_Polarisation/Polarised_neutrons_in_McStas.pptx
+++ b/2022/ESS_May_June_2022/Day4_Tuesday_July_5th/09_Polarisation/Polarised_neutrons_in_McStas.pptx
@@ -4666,8 +4666,8 @@
         </p:nvSpPr>
         <p:spPr>
           <a:xfrm>
-            <a:off x="2205082" y="2130424"/>
-            <a:ext cx="7769136" cy="1470027"/>
+            <a:off x="2205082" y="2130425"/>
+            <a:ext cx="7769136" cy="1470025"/>
           </a:xfrm>
           <a:prstGeom prst="rect">
             <a:avLst/>
@@ -4703,8 +4703,8 @@
         </p:nvSpPr>
         <p:spPr>
           <a:xfrm>
-            <a:off x="2890594" y="3886199"/>
-            <a:ext cx="6398112" cy="1752601"/>
+            <a:off x="2890594" y="3886200"/>
+            <a:ext cx="6398112" cy="1752600"/>
           </a:xfrm>
           <a:prstGeom prst="rect">
             <a:avLst/>
@@ -25447,8 +25447,8 @@
         </p:nvSpPr>
         <p:spPr>
           <a:xfrm>
-            <a:off x="8455994" y="6414721"/>
-            <a:ext cx="1796624" cy="303634"/>
+            <a:off x="8455993" y="6414722"/>
+            <a:ext cx="1796625" cy="303634"/>
           </a:xfrm>
           <a:prstGeom prst="rect">
             <a:avLst/>
@@ -25499,7 +25499,7 @@
         </p:nvSpPr>
         <p:spPr>
           <a:xfrm rot="16200000">
-            <a:off x="5547347" y="4131730"/>
+            <a:off x="5547348" y="4131730"/>
             <a:ext cx="1796624" cy="303634"/>
           </a:xfrm>
           <a:prstGeom prst="rect">
@@ -25548,7 +25548,7 @@
         <p:spPr>
           <a:xfrm>
             <a:off x="3579052" y="757786"/>
-            <a:ext cx="1796625" cy="303634"/>
+            <a:ext cx="1796624" cy="303634"/>
           </a:xfrm>
           <a:prstGeom prst="rect">
             <a:avLst/>
@@ -25599,7 +25599,7 @@
         </p:nvSpPr>
         <p:spPr>
           <a:xfrm>
-            <a:off x="7405766" y="2306752"/>
+            <a:off x="7405765" y="2306752"/>
             <a:ext cx="4345322" cy="303634"/>
           </a:xfrm>
           <a:prstGeom prst="rect">
@@ -29066,7 +29066,7 @@
       </p:sp>
       <p:sp>
         <p:nvSpPr>
-          <p:cNvPr id="682" name="Polarisation docs in manual are out of date wrt. the manual……"/>
+          <p:cNvPr id="682" name="Polarisation docs in manual are out of date wrt. the current code/algorithm……"/>
           <p:cNvSpPr txBox="1"/>
           <p:nvPr>
             <p:ph type="body" idx="1"/>
@@ -29087,7 +29087,7 @@
           <a:p>
             <a:pPr/>
             <a:r>
-              <a:t>Polarisation docs in manual are out of date wrt. the manual… </a:t>
+              <a:t>Polarisation docs in manual are out of date wrt. the current code/algorithm… </a:t>
             </a:r>
           </a:p>
           <a:p>

--- a/2022/ESS_May_June_2022/Day4_Tuesday_July_5th/09_Polarisation/Polarised_neutrons_in_McStas.pptx
+++ b/2022/ESS_May_June_2022/Day4_Tuesday_July_5th/09_Polarisation/Polarised_neutrons_in_McStas.pptx
@@ -29046,8 +29046,8 @@
         </p:nvSpPr>
         <p:spPr>
           <a:xfrm>
-            <a:off x="1900986" y="71642"/>
-            <a:ext cx="9312375" cy="972717"/>
+            <a:off x="1900986" y="-461159"/>
+            <a:ext cx="9312375" cy="972718"/>
           </a:xfrm>
           <a:prstGeom prst="rect">
             <a:avLst/>
@@ -29074,8 +29074,8 @@
         </p:nvSpPr>
         <p:spPr>
           <a:xfrm>
-            <a:off x="1774800" y="1247401"/>
-            <a:ext cx="9564748" cy="5004577"/>
+            <a:off x="1774800" y="800779"/>
+            <a:ext cx="9564748" cy="5451199"/>
           </a:xfrm>
           <a:prstGeom prst="rect">
             <a:avLst/>
@@ -29129,6 +29129,15 @@
             </a:r>
             <a:r>
               <a:t>)</a:t>
+            </a:r>
+          </a:p>
+          <a:p>
+            <a:pPr/>
+          </a:p>
+          <a:p>
+            <a:pPr/>
+            <a:r>
+              <a:t>Pol_Bfield placement can be confusing depending on choice of geometry-parts… </a:t>
             </a:r>
             <a:br/>
           </a:p>
